--- a/PPT/每次课PPT/06 线程-2.pptx
+++ b/PPT/每次课PPT/06 线程-2.pptx
@@ -255,7 +255,7 @@
             <a:fld id="{1AA66804-583B-42BE-962B-441699487C40}" type="datetimeFigureOut">
               <a:rPr lang="zh-CN" altLang="en-US" smtClean="0"/>
               <a:pPr/>
-              <a:t>2017/10/20</a:t>
+              <a:t>2018/10/14</a:t>
             </a:fld>
             <a:endParaRPr lang="zh-CN" altLang="en-US"/>
           </a:p>
@@ -499,7 +499,7 @@
             <a:fld id="{B9EEDA17-7CE7-49CA-897E-A1888A19DA62}" type="datetimeFigureOut">
               <a:rPr lang="zh-CN" altLang="en-US"/>
               <a:pPr/>
-              <a:t>2017/10/20</a:t>
+              <a:t>2018/10/14</a:t>
             </a:fld>
             <a:endParaRPr lang="en-US"/>
           </a:p>
@@ -11087,13 +11087,6 @@
               </a:rPr>
               <a:t>同步使用不当，会造成“死锁”！</a:t>
             </a:r>
-            <a:endParaRPr lang="zh-CN" altLang="en-US" sz="3200" dirty="0" smtClean="0">
-              <a:solidFill>
-                <a:srgbClr val="F8F8F8"/>
-              </a:solidFill>
-              <a:latin typeface="微软雅黑"/>
-              <a:ea typeface="微软雅黑"/>
-            </a:endParaRPr>
           </a:p>
         </p:txBody>
       </p:sp>
@@ -11391,16 +11384,6 @@
               </a:rPr>
               <a:t>死锁</a:t>
             </a:r>
-            <a:endParaRPr lang="zh-CN" altLang="en-US" sz="2200" dirty="0">
-              <a:solidFill>
-                <a:srgbClr val="C2C1C1">
-                  <a:lumMod val="20000"/>
-                  <a:lumOff val="80000"/>
-                </a:srgbClr>
-              </a:solidFill>
-              <a:latin typeface="微软雅黑"/>
-              <a:ea typeface="微软雅黑"/>
-            </a:endParaRPr>
           </a:p>
         </p:txBody>
       </p:sp>
@@ -12062,13 +12045,6 @@
               </a:rPr>
               <a:t>拓展思考：如何解决死锁？</a:t>
             </a:r>
-            <a:endParaRPr lang="zh-CN" altLang="en-US" sz="3200" dirty="0" smtClean="0">
-              <a:solidFill>
-                <a:srgbClr val="F8F8F8"/>
-              </a:solidFill>
-              <a:latin typeface="微软雅黑"/>
-              <a:ea typeface="微软雅黑"/>
-            </a:endParaRPr>
           </a:p>
         </p:txBody>
       </p:sp>
@@ -13094,13 +13070,6 @@
               </a:rPr>
               <a:t>线程间通信</a:t>
             </a:r>
-            <a:endParaRPr lang="zh-CN" altLang="en-US" sz="4800" i="1" dirty="0" smtClean="0">
-              <a:solidFill>
-                <a:srgbClr val="F8F8F8"/>
-              </a:solidFill>
-              <a:latin typeface="微软雅黑"/>
-              <a:ea typeface="微软雅黑"/>
-            </a:endParaRPr>
           </a:p>
         </p:txBody>
       </p:sp>
@@ -13429,8 +13398,8 @@
         </p:blipFill>
         <p:spPr bwMode="auto">
           <a:xfrm>
-            <a:off x="409749" y="836712"/>
-            <a:ext cx="10990263" cy="5457825"/>
+            <a:off x="409749" y="666518"/>
+            <a:ext cx="10990263" cy="5628020"/>
           </a:xfrm>
           <a:prstGeom prst="rect">
             <a:avLst/>
@@ -13504,6 +13473,243 @@
               </a:solidFill>
               <a:latin typeface="微软雅黑"/>
               <a:ea typeface="微软雅黑"/>
+            </a:endParaRPr>
+          </a:p>
+        </p:txBody>
+      </p:sp>
+      <p:sp>
+        <p:nvSpPr>
+          <p:cNvPr id="2" name="椭圆 1"/>
+          <p:cNvSpPr/>
+          <p:nvPr/>
+        </p:nvSpPr>
+        <p:spPr bwMode="auto">
+          <a:xfrm>
+            <a:off x="2065933" y="1412776"/>
+            <a:ext cx="1296144" cy="432048"/>
+          </a:xfrm>
+          <a:prstGeom prst="ellipse">
+            <a:avLst/>
+          </a:prstGeom>
+          <a:noFill/>
+          <a:ln w="9525" cap="flat" cmpd="sng" algn="ctr">
+            <a:solidFill>
+              <a:schemeClr val="tx1"/>
+            </a:solidFill>
+            <a:prstDash val="solid"/>
+            <a:round/>
+            <a:headEnd type="none" w="med" len="med"/>
+            <a:tailEnd type="none" w="med" len="med"/>
+          </a:ln>
+          <a:effectLst/>
+          <a:extLst/>
+        </p:spPr>
+        <p:txBody>
+          <a:bodyPr vert="horz" wrap="square" lIns="91440" tIns="45720" rIns="91440" bIns="45720" numCol="1" rtlCol="0" anchor="t" anchorCtr="0" compatLnSpc="1">
+            <a:prstTxWarp prst="textNoShape">
+              <a:avLst/>
+            </a:prstTxWarp>
+          </a:bodyPr>
+          <a:lstStyle/>
+          <a:p>
+            <a:pPr marL="0" marR="0" indent="0" algn="l" defTabSz="914400" rtl="0" eaLnBrk="1" fontAlgn="base" latinLnBrk="0" hangingPunct="1">
+              <a:lnSpc>
+                <a:spcPct val="100000"/>
+              </a:lnSpc>
+              <a:spcBef>
+                <a:spcPct val="0"/>
+              </a:spcBef>
+              <a:spcAft>
+                <a:spcPct val="0"/>
+              </a:spcAft>
+              <a:buClrTx/>
+              <a:buSzTx/>
+              <a:buFont typeface="Arial" pitchFamily="34" charset="0"/>
+              <a:buNone/>
+              <a:tabLst/>
+            </a:pPr>
+            <a:r>
+              <a:rPr kumimoji="0" lang="zh-CN" altLang="en-US" sz="1800" b="0" i="0" u="none" strike="noStrike" cap="none" normalizeH="0" baseline="0" dirty="0" smtClean="0">
+                <a:ln>
+                  <a:noFill/>
+                </a:ln>
+                <a:solidFill>
+                  <a:schemeClr val="tx1"/>
+                </a:solidFill>
+                <a:effectLst/>
+                <a:latin typeface="Arial" pitchFamily="34" charset="0"/>
+                <a:ea typeface="宋体" pitchFamily="2" charset="-122"/>
+              </a:rPr>
+              <a:t>生产者</a:t>
+            </a:r>
+            <a:endParaRPr kumimoji="0" lang="zh-CN" altLang="en-US" sz="1800" b="0" i="0" u="none" strike="noStrike" cap="none" normalizeH="0" baseline="0" dirty="0" smtClean="0">
+              <a:ln>
+                <a:noFill/>
+              </a:ln>
+              <a:solidFill>
+                <a:schemeClr val="tx1"/>
+              </a:solidFill>
+              <a:effectLst/>
+              <a:latin typeface="Arial" pitchFamily="34" charset="0"/>
+              <a:ea typeface="宋体" pitchFamily="2" charset="-122"/>
+            </a:endParaRPr>
+          </a:p>
+        </p:txBody>
+      </p:sp>
+      <p:sp>
+        <p:nvSpPr>
+          <p:cNvPr id="12" name="椭圆 11"/>
+          <p:cNvSpPr/>
+          <p:nvPr/>
+        </p:nvSpPr>
+        <p:spPr bwMode="auto">
+          <a:xfrm>
+            <a:off x="8330629" y="1268760"/>
+            <a:ext cx="1296144" cy="432048"/>
+          </a:xfrm>
+          <a:prstGeom prst="ellipse">
+            <a:avLst/>
+          </a:prstGeom>
+          <a:noFill/>
+          <a:ln w="9525" cap="flat" cmpd="sng" algn="ctr">
+            <a:solidFill>
+              <a:schemeClr val="tx1"/>
+            </a:solidFill>
+            <a:prstDash val="solid"/>
+            <a:round/>
+            <a:headEnd type="none" w="med" len="med"/>
+            <a:tailEnd type="none" w="med" len="med"/>
+          </a:ln>
+          <a:effectLst/>
+          <a:extLst/>
+        </p:spPr>
+        <p:txBody>
+          <a:bodyPr vert="horz" wrap="square" lIns="91440" tIns="45720" rIns="91440" bIns="45720" numCol="1" rtlCol="0" anchor="t" anchorCtr="0" compatLnSpc="1">
+            <a:prstTxWarp prst="textNoShape">
+              <a:avLst/>
+            </a:prstTxWarp>
+          </a:bodyPr>
+          <a:lstStyle/>
+          <a:p>
+            <a:pPr marL="0" marR="0" indent="0" algn="l" defTabSz="914400" rtl="0" eaLnBrk="1" fontAlgn="base" latinLnBrk="0" hangingPunct="1">
+              <a:lnSpc>
+                <a:spcPct val="100000"/>
+              </a:lnSpc>
+              <a:spcBef>
+                <a:spcPct val="0"/>
+              </a:spcBef>
+              <a:spcAft>
+                <a:spcPct val="0"/>
+              </a:spcAft>
+              <a:buClrTx/>
+              <a:buSzTx/>
+              <a:buFont typeface="Arial" pitchFamily="34" charset="0"/>
+              <a:buNone/>
+              <a:tabLst/>
+            </a:pPr>
+            <a:r>
+              <a:rPr kumimoji="0" lang="zh-CN" altLang="en-US" sz="1800" b="0" i="0" u="none" strike="noStrike" cap="none" normalizeH="0" baseline="0" dirty="0" smtClean="0">
+                <a:ln>
+                  <a:noFill/>
+                </a:ln>
+                <a:solidFill>
+                  <a:schemeClr val="tx1"/>
+                </a:solidFill>
+                <a:effectLst/>
+                <a:latin typeface="Arial" pitchFamily="34" charset="0"/>
+                <a:ea typeface="宋体" pitchFamily="2" charset="-122"/>
+              </a:rPr>
+              <a:t>消费者</a:t>
+            </a:r>
+            <a:endParaRPr kumimoji="0" lang="zh-CN" altLang="en-US" sz="1800" b="0" i="0" u="none" strike="noStrike" cap="none" normalizeH="0" baseline="0" dirty="0" smtClean="0">
+              <a:ln>
+                <a:noFill/>
+              </a:ln>
+              <a:solidFill>
+                <a:schemeClr val="tx1"/>
+              </a:solidFill>
+              <a:effectLst/>
+              <a:latin typeface="Arial" pitchFamily="34" charset="0"/>
+              <a:ea typeface="宋体" pitchFamily="2" charset="-122"/>
+            </a:endParaRPr>
+          </a:p>
+        </p:txBody>
+      </p:sp>
+      <p:sp>
+        <p:nvSpPr>
+          <p:cNvPr id="13" name="椭圆 12"/>
+          <p:cNvSpPr/>
+          <p:nvPr/>
+        </p:nvSpPr>
+        <p:spPr bwMode="auto">
+          <a:xfrm>
+            <a:off x="3506093" y="4077072"/>
+            <a:ext cx="2088232" cy="432048"/>
+          </a:xfrm>
+          <a:prstGeom prst="ellipse">
+            <a:avLst/>
+          </a:prstGeom>
+          <a:noFill/>
+          <a:ln w="9525" cap="flat" cmpd="sng" algn="ctr">
+            <a:solidFill>
+              <a:schemeClr val="tx1"/>
+            </a:solidFill>
+            <a:prstDash val="solid"/>
+            <a:round/>
+            <a:headEnd type="none" w="med" len="med"/>
+            <a:tailEnd type="none" w="med" len="med"/>
+          </a:ln>
+          <a:effectLst/>
+          <a:extLst/>
+        </p:spPr>
+        <p:txBody>
+          <a:bodyPr vert="horz" wrap="square" lIns="91440" tIns="45720" rIns="91440" bIns="45720" numCol="1" rtlCol="0" anchor="t" anchorCtr="0" compatLnSpc="1">
+            <a:prstTxWarp prst="textNoShape">
+              <a:avLst/>
+            </a:prstTxWarp>
+          </a:bodyPr>
+          <a:lstStyle/>
+          <a:p>
+            <a:pPr marL="0" marR="0" indent="0" algn="ctr" defTabSz="914400" rtl="0" eaLnBrk="1" fontAlgn="base" latinLnBrk="0" hangingPunct="1">
+              <a:lnSpc>
+                <a:spcPct val="100000"/>
+              </a:lnSpc>
+              <a:spcBef>
+                <a:spcPct val="0"/>
+              </a:spcBef>
+              <a:spcAft>
+                <a:spcPct val="0"/>
+              </a:spcAft>
+              <a:buClrTx/>
+              <a:buSzTx/>
+              <a:buFont typeface="Arial" pitchFamily="34" charset="0"/>
+              <a:buNone/>
+              <a:tabLst/>
+            </a:pPr>
+            <a:r>
+              <a:rPr kumimoji="0" lang="zh-CN" altLang="en-US" sz="1800" b="0" i="0" u="none" strike="noStrike" cap="none" normalizeH="0" baseline="0" dirty="0" smtClean="0">
+                <a:ln>
+                  <a:noFill/>
+                </a:ln>
+                <a:solidFill>
+                  <a:schemeClr val="tx1"/>
+                </a:solidFill>
+                <a:effectLst/>
+                <a:latin typeface="Arial" pitchFamily="34" charset="0"/>
+                <a:ea typeface="宋体" pitchFamily="2" charset="-122"/>
+              </a:rPr>
+              <a:t>共享存储区</a:t>
+            </a:r>
+            <a:endParaRPr kumimoji="0" lang="zh-CN" altLang="en-US" sz="1800" b="0" i="0" u="none" strike="noStrike" cap="none" normalizeH="0" baseline="0" dirty="0" smtClean="0">
+              <a:ln>
+                <a:noFill/>
+              </a:ln>
+              <a:solidFill>
+                <a:schemeClr val="tx1"/>
+              </a:solidFill>
+              <a:effectLst/>
+              <a:latin typeface="Arial" pitchFamily="34" charset="0"/>
+              <a:ea typeface="宋体" pitchFamily="2" charset="-122"/>
             </a:endParaRPr>
           </a:p>
         </p:txBody>
@@ -13928,8 +14134,8 @@
         </p:nvSpPr>
         <p:spPr>
           <a:xfrm>
-            <a:off x="434670" y="174412"/>
-            <a:ext cx="1313180" cy="430887"/>
+            <a:off x="434669" y="174412"/>
+            <a:ext cx="6167768" cy="430887"/>
           </a:xfrm>
           <a:prstGeom prst="rect">
             <a:avLst/>
@@ -13937,7 +14143,7 @@
           <a:noFill/>
         </p:spPr>
         <p:txBody>
-          <a:bodyPr wrap="none" rtlCol="0">
+          <a:bodyPr wrap="square" rtlCol="0">
             <a:spAutoFit/>
           </a:bodyPr>
           <a:lstStyle/>
@@ -13953,7 +14159,7 @@
                 <a:latin typeface="微软雅黑"/>
                 <a:ea typeface="微软雅黑"/>
               </a:rPr>
-              <a:t>代码实现</a:t>
+              <a:t>初级代码实现：不加任何控制的生产和消费</a:t>
             </a:r>
             <a:endParaRPr lang="zh-CN" altLang="en-US" sz="2200" dirty="0">
               <a:solidFill>
@@ -14589,8 +14795,8 @@
         </p:nvSpPr>
         <p:spPr bwMode="auto">
           <a:xfrm>
-            <a:off x="5666333" y="1484784"/>
-            <a:ext cx="3816424" cy="493661"/>
+            <a:off x="5666333" y="1124744"/>
+            <a:ext cx="3816424" cy="853701"/>
           </a:xfrm>
           <a:prstGeom prst="rect">
             <a:avLst/>
@@ -14625,15 +14831,18 @@
                 <a:latin typeface="微软雅黑"/>
                 <a:ea typeface="微软雅黑"/>
               </a:rPr>
-              <a:t>问题还不少，后果很严重。</a:t>
+              <a:t>比如还没生产就有消费，</a:t>
             </a:r>
-            <a:endParaRPr lang="zh-CN" altLang="en-US" sz="2400" dirty="0" smtClean="0">
-              <a:solidFill>
-                <a:srgbClr val="F8F8F8"/>
-              </a:solidFill>
-              <a:latin typeface="微软雅黑"/>
-              <a:ea typeface="微软雅黑"/>
-            </a:endParaRPr>
+            <a:r>
+              <a:rPr lang="zh-CN" altLang="en-US" sz="2400" dirty="0" smtClean="0">
+                <a:solidFill>
+                  <a:srgbClr val="F8F8F8"/>
+                </a:solidFill>
+                <a:latin typeface="微软雅黑"/>
+                <a:ea typeface="微软雅黑"/>
+              </a:rPr>
+              <a:t>后果很严重。</a:t>
+            </a:r>
           </a:p>
         </p:txBody>
       </p:sp>
@@ -15133,13 +15342,6 @@
               </a:rPr>
               <a:t>中数据满了，肯定无法继续存入！</a:t>
             </a:r>
-            <a:endParaRPr lang="zh-CN" altLang="en-US" sz="2400" dirty="0" smtClean="0">
-              <a:solidFill>
-                <a:srgbClr val="F8F8F8"/>
-              </a:solidFill>
-              <a:latin typeface="微软雅黑"/>
-              <a:ea typeface="微软雅黑"/>
-            </a:endParaRPr>
           </a:p>
         </p:txBody>
       </p:sp>
@@ -18292,13 +18494,6 @@
               </a:rPr>
               <a:t>？如何不让提取？如何不让存入？</a:t>
             </a:r>
-            <a:endParaRPr lang="zh-CN" altLang="en-US" sz="2400" dirty="0" smtClean="0">
-              <a:solidFill>
-                <a:srgbClr val="F8F8F8"/>
-              </a:solidFill>
-              <a:latin typeface="微软雅黑"/>
-              <a:ea typeface="微软雅黑"/>
-            </a:endParaRPr>
           </a:p>
         </p:txBody>
       </p:sp>
@@ -21965,13 +22160,6 @@
               </a:rPr>
               <a:t>wait</a:t>
             </a:r>
-            <a:endParaRPr lang="en-US" altLang="zh-CN" dirty="0" smtClean="0">
-              <a:solidFill>
-                <a:srgbClr val="080808"/>
-              </a:solidFill>
-              <a:latin typeface="微软雅黑" pitchFamily="34" charset="-122"/>
-              <a:ea typeface="微软雅黑" pitchFamily="34" charset="-122"/>
-            </a:endParaRPr>
           </a:p>
           <a:p>
             <a:pPr algn="ctr" eaLnBrk="0" fontAlgn="ctr" hangingPunct="0">
@@ -22085,17 +22273,7 @@
                 <a:latin typeface="微软雅黑" pitchFamily="34" charset="-122"/>
                 <a:ea typeface="微软雅黑" pitchFamily="34" charset="-122"/>
               </a:rPr>
-              <a:t>第六次</a:t>
-            </a:r>
-            <a:r>
-              <a:rPr lang="zh-CN" altLang="en-US" sz="2400" dirty="0" smtClean="0">
-                <a:solidFill>
-                  <a:srgbClr val="4D4D4D"/>
-                </a:solidFill>
-                <a:latin typeface="微软雅黑" pitchFamily="34" charset="-122"/>
-                <a:ea typeface="微软雅黑" pitchFamily="34" charset="-122"/>
-              </a:rPr>
-              <a:t>课的内容</a:t>
+              <a:t>第六次课的内容</a:t>
             </a:r>
             <a:endParaRPr lang="zh-CN" altLang="en-US" sz="2400" dirty="0">
               <a:solidFill>
@@ -24146,13 +24324,6 @@
               </a:rPr>
               <a:t>理论上讲，这个线程程序是不安全的，为什么呢？</a:t>
             </a:r>
-            <a:endParaRPr lang="zh-CN" altLang="en-US" sz="3200" dirty="0" smtClean="0">
-              <a:solidFill>
-                <a:srgbClr val="F8F8F8"/>
-              </a:solidFill>
-              <a:latin typeface="微软雅黑"/>
-              <a:ea typeface="微软雅黑"/>
-            </a:endParaRPr>
           </a:p>
         </p:txBody>
       </p:sp>
@@ -24538,20 +24709,7 @@
                 <a:latin typeface="微软雅黑"/>
                 <a:ea typeface="微软雅黑"/>
               </a:rPr>
-              <a:t>同一张票被发售多次、票卖完了还会再</a:t>
-            </a:r>
-            <a:r>
-              <a:rPr lang="zh-CN" altLang="en-US" sz="2200" dirty="0" smtClean="0">
-                <a:solidFill>
-                  <a:srgbClr val="C2C1C1">
-                    <a:lumMod val="20000"/>
-                    <a:lumOff val="80000"/>
-                  </a:srgbClr>
-                </a:solidFill>
-                <a:latin typeface="微软雅黑"/>
-                <a:ea typeface="微软雅黑"/>
-              </a:rPr>
-              <a:t>卖</a:t>
+              <a:t>同一张票被发售多次、票卖完了还会再卖</a:t>
             </a:r>
             <a:r>
               <a:rPr lang="zh-CN" altLang="en-US" sz="2200" dirty="0">
@@ -24603,33 +24761,7 @@
                 <a:latin typeface="微软雅黑"/>
                 <a:ea typeface="微软雅黑"/>
               </a:rPr>
-              <a:t>），</a:t>
-            </a:r>
-            <a:r>
-              <a:rPr lang="zh-CN" altLang="en-US" sz="2200" dirty="0" smtClean="0">
-                <a:solidFill>
-                  <a:srgbClr val="C2C1C1">
-                    <a:lumMod val="20000"/>
-                    <a:lumOff val="80000"/>
-                  </a:srgbClr>
-                </a:solidFill>
-                <a:latin typeface="微软雅黑"/>
-                <a:ea typeface="微软雅黑"/>
-              </a:rPr>
-              <a:t>为什么</a:t>
-            </a:r>
-            <a:r>
-              <a:rPr lang="zh-CN" altLang="en-US" sz="2200" dirty="0" smtClean="0">
-                <a:solidFill>
-                  <a:srgbClr val="C2C1C1">
-                    <a:lumMod val="20000"/>
-                    <a:lumOff val="80000"/>
-                  </a:srgbClr>
-                </a:solidFill>
-                <a:latin typeface="微软雅黑"/>
-                <a:ea typeface="微软雅黑"/>
-              </a:rPr>
-              <a:t>？</a:t>
+              <a:t>），为什么？</a:t>
             </a:r>
             <a:endParaRPr lang="zh-CN" altLang="en-US" sz="2200" dirty="0">
               <a:solidFill>
@@ -25307,13 +25439,6 @@
               </a:rPr>
               <a:t>有什么好的解决办法吗？</a:t>
             </a:r>
-            <a:endParaRPr lang="zh-CN" altLang="en-US" sz="3200" dirty="0" smtClean="0">
-              <a:solidFill>
-                <a:srgbClr val="F8F8F8"/>
-              </a:solidFill>
-              <a:latin typeface="微软雅黑"/>
-              <a:ea typeface="微软雅黑"/>
-            </a:endParaRPr>
           </a:p>
         </p:txBody>
       </p:sp>
@@ -26050,7 +26175,7 @@
         </p:nvSpPr>
         <p:spPr bwMode="auto">
           <a:xfrm>
-            <a:off x="0" y="666517"/>
+            <a:off x="0" y="692696"/>
             <a:ext cx="12196763" cy="6002843"/>
           </a:xfrm>
           <a:prstGeom prst="rect">
@@ -26814,13 +26939,6 @@
               </a:rPr>
               <a:t>只是一把锁。谁先用了这把锁，其他都得等！</a:t>
             </a:r>
-            <a:endParaRPr lang="zh-CN" altLang="en-US" sz="3200" dirty="0" smtClean="0">
-              <a:solidFill>
-                <a:srgbClr val="F8F8F8"/>
-              </a:solidFill>
-              <a:latin typeface="微软雅黑"/>
-              <a:ea typeface="微软雅黑"/>
-            </a:endParaRPr>
           </a:p>
         </p:txBody>
       </p:sp>
